--- a/Lectures/CENG340_lec9_M_9_16.pptx
+++ b/Lectures/CENG340_lec9_M_9_16.pptx
@@ -5,14 +5,15 @@
     <p:sldMasterId id="2147483648" r:id="rId1"/>
   </p:sldMasterIdLst>
   <p:notesMasterIdLst>
-    <p:notesMasterId r:id="rId4"/>
+    <p:notesMasterId r:id="rId5"/>
   </p:notesMasterIdLst>
   <p:handoutMasterIdLst>
-    <p:handoutMasterId r:id="rId5"/>
+    <p:handoutMasterId r:id="rId6"/>
   </p:handoutMasterIdLst>
   <p:sldIdLst>
     <p:sldId id="260" r:id="rId2"/>
     <p:sldId id="261" r:id="rId3"/>
+    <p:sldId id="262" r:id="rId4"/>
   </p:sldIdLst>
   <p:sldSz cx="9144000" cy="6858000" type="screen4x3"/>
   <p:notesSz cx="6858000" cy="9144000"/>
@@ -196,7 +197,7 @@
           <a:p>
             <a:fld id="{41F4BCF5-7A29-CB43-A279-0C9BEFCC24B8}" type="datetimeFigureOut">
               <a:rPr lang="en-US" smtClean="0"/>
-              <a:t>9/16/13</a:t>
+              <a:t>9/20/13</a:t>
             </a:fld>
             <a:endParaRPr lang="en-US"/>
           </a:p>
@@ -362,7 +363,7 @@
           <a:p>
             <a:fld id="{DB289394-51C1-5841-A8DF-2D3EA01EC3BD}" type="datetimeFigureOut">
               <a:rPr lang="en-US" smtClean="0"/>
-              <a:t>9/16/13</a:t>
+              <a:t>9/20/13</a:t>
             </a:fld>
             <a:endParaRPr lang="en-US"/>
           </a:p>
@@ -896,7 +897,7 @@
           <a:p>
             <a:fld id="{1D6290A9-6564-E54C-979E-F4229738CBF3}" type="datetime1">
               <a:rPr lang="en-US" smtClean="0"/>
-              <a:t>9/16/13</a:t>
+              <a:t>9/20/13</a:t>
             </a:fld>
             <a:endParaRPr lang="en-US"/>
           </a:p>
@@ -1066,7 +1067,7 @@
           <a:p>
             <a:fld id="{9B14F47C-E7FD-AC4F-925C-3E5F1B12E86E}" type="datetime1">
               <a:rPr lang="en-US" smtClean="0"/>
-              <a:t>9/16/13</a:t>
+              <a:t>9/20/13</a:t>
             </a:fld>
             <a:endParaRPr lang="en-US"/>
           </a:p>
@@ -1246,7 +1247,7 @@
           <a:p>
             <a:fld id="{27AD88DA-FEA0-7544-B9F0-3E199259994E}" type="datetime1">
               <a:rPr lang="en-US" smtClean="0"/>
-              <a:t>9/16/13</a:t>
+              <a:t>9/20/13</a:t>
             </a:fld>
             <a:endParaRPr lang="en-US"/>
           </a:p>
@@ -1416,7 +1417,7 @@
           <a:p>
             <a:fld id="{B7BA41C3-DF5A-5140-896D-AF6BC3B32342}" type="datetime1">
               <a:rPr lang="en-US" smtClean="0"/>
-              <a:t>9/16/13</a:t>
+              <a:t>9/20/13</a:t>
             </a:fld>
             <a:endParaRPr lang="en-US"/>
           </a:p>
@@ -1662,7 +1663,7 @@
           <a:p>
             <a:fld id="{C45D8B18-E4EB-7142-BDE2-9C5F626637F8}" type="datetime1">
               <a:rPr lang="en-US" smtClean="0"/>
-              <a:t>9/16/13</a:t>
+              <a:t>9/20/13</a:t>
             </a:fld>
             <a:endParaRPr lang="en-US"/>
           </a:p>
@@ -1950,7 +1951,7 @@
           <a:p>
             <a:fld id="{E8FE278D-1E5B-9B49-BF0C-CF42D108AC04}" type="datetime1">
               <a:rPr lang="en-US" smtClean="0"/>
-              <a:t>9/16/13</a:t>
+              <a:t>9/20/13</a:t>
             </a:fld>
             <a:endParaRPr lang="en-US"/>
           </a:p>
@@ -2372,7 +2373,7 @@
           <a:p>
             <a:fld id="{ED796609-F803-F142-8C6E-1B3AC2BDA362}" type="datetime1">
               <a:rPr lang="en-US" smtClean="0"/>
-              <a:t>9/16/13</a:t>
+              <a:t>9/20/13</a:t>
             </a:fld>
             <a:endParaRPr lang="en-US"/>
           </a:p>
@@ -2490,7 +2491,7 @@
           <a:p>
             <a:fld id="{FAE41B09-4251-1647-A444-FA61A8D0727E}" type="datetime1">
               <a:rPr lang="en-US" smtClean="0"/>
-              <a:t>9/16/13</a:t>
+              <a:t>9/20/13</a:t>
             </a:fld>
             <a:endParaRPr lang="en-US"/>
           </a:p>
@@ -2585,7 +2586,7 @@
           <a:p>
             <a:fld id="{92FB49DE-DA19-AE46-BA6F-91EB55DC4F1F}" type="datetime1">
               <a:rPr lang="en-US" smtClean="0"/>
-              <a:t>9/16/13</a:t>
+              <a:t>9/20/13</a:t>
             </a:fld>
             <a:endParaRPr lang="en-US"/>
           </a:p>
@@ -2862,7 +2863,7 @@
           <a:p>
             <a:fld id="{3ACA9124-9BF8-8F4D-8939-C6DEA3897058}" type="datetime1">
               <a:rPr lang="en-US" smtClean="0"/>
-              <a:t>9/16/13</a:t>
+              <a:t>9/20/13</a:t>
             </a:fld>
             <a:endParaRPr lang="en-US"/>
           </a:p>
@@ -3115,7 +3116,7 @@
           <a:p>
             <a:fld id="{16EE714D-2C6B-8F4A-872F-504FC1069467}" type="datetime1">
               <a:rPr lang="en-US" smtClean="0"/>
-              <a:t>9/16/13</a:t>
+              <a:t>9/20/13</a:t>
             </a:fld>
             <a:endParaRPr lang="en-US"/>
           </a:p>
@@ -3328,7 +3329,7 @@
           <a:p>
             <a:fld id="{DC015883-2AB4-924E-9FC5-404430C2E293}" type="datetime1">
               <a:rPr lang="en-US" smtClean="0"/>
-              <a:t>9/16/13</a:t>
+              <a:t>9/20/13</a:t>
             </a:fld>
             <a:endParaRPr lang="en-US"/>
           </a:p>
@@ -3748,37 +3749,7 @@
                 <a:latin typeface="Arial"/>
                 <a:cs typeface="Arial"/>
               </a:rPr>
-              <a:t>Mon</a:t>
-            </a:r>
-            <a:r>
-              <a:rPr lang="en-US" dirty="0" smtClean="0">
-                <a:solidFill>
-                  <a:srgbClr val="000090"/>
-                </a:solidFill>
-                <a:latin typeface="Arial"/>
-                <a:cs typeface="Arial"/>
-              </a:rPr>
-              <a:t>day </a:t>
-            </a:r>
-            <a:r>
-              <a:rPr lang="en-US" dirty="0" smtClean="0">
-                <a:solidFill>
-                  <a:srgbClr val="000090"/>
-                </a:solidFill>
-                <a:latin typeface="Arial"/>
-                <a:cs typeface="Arial"/>
-              </a:rPr>
-              <a:t>9/</a:t>
-            </a:r>
-            <a:r>
-              <a:rPr lang="en-US" dirty="0" smtClean="0">
-                <a:solidFill>
-                  <a:srgbClr val="000090"/>
-                </a:solidFill>
-                <a:latin typeface="Arial"/>
-                <a:cs typeface="Arial"/>
-              </a:rPr>
-              <a:t>16</a:t>
+              <a:t>Monday 9/16</a:t>
             </a:r>
             <a:endParaRPr lang="en-US" dirty="0">
               <a:solidFill>
@@ -3808,7 +3779,7 @@
         </p:spPr>
         <p:txBody>
           <a:bodyPr>
-            <a:normAutofit/>
+            <a:normAutofit fontScale="85000" lnSpcReduction="10000"/>
           </a:bodyPr>
           <a:lstStyle/>
           <a:p>
@@ -3818,18 +3789,39 @@
               </a:spcAft>
             </a:pPr>
             <a:r>
+              <a:rPr lang="en-US" dirty="0">
+                <a:latin typeface="Arial"/>
+                <a:cs typeface="Arial"/>
+              </a:rPr>
+              <a:t>Lab tomorrow in Dana 325—Model fitting, </a:t>
+            </a:r>
+            <a:r>
               <a:rPr lang="en-US" dirty="0" smtClean="0">
                 <a:latin typeface="Arial"/>
                 <a:cs typeface="Arial"/>
               </a:rPr>
-              <a:t>Problem </a:t>
-            </a:r>
-            <a:r>
-              <a:rPr lang="en-US" dirty="0" smtClean="0">
+              <a:t>Kinetics </a:t>
+            </a:r>
+            <a:r>
+              <a:rPr lang="en-US" dirty="0">
                 <a:latin typeface="Arial"/>
                 <a:cs typeface="Arial"/>
               </a:rPr>
-              <a:t>Set 2 due Wed 9/18 in class.</a:t>
+              <a:t>&amp; Discussion of </a:t>
+            </a:r>
+            <a:r>
+              <a:rPr lang="en-US" i="1" dirty="0">
+                <a:latin typeface="Arial"/>
+                <a:cs typeface="Arial"/>
+              </a:rPr>
+              <a:t>Big Necessity</a:t>
+            </a:r>
+            <a:r>
+              <a:rPr lang="en-US" dirty="0">
+                <a:latin typeface="Arial"/>
+                <a:cs typeface="Arial"/>
+              </a:rPr>
+              <a:t>.</a:t>
             </a:r>
           </a:p>
           <a:p>
@@ -3843,28 +3835,7 @@
                 <a:latin typeface="Arial"/>
                 <a:cs typeface="Arial"/>
               </a:rPr>
-              <a:t>Lab </a:t>
-            </a:r>
-            <a:r>
-              <a:rPr lang="en-US" dirty="0" smtClean="0">
-                <a:latin typeface="Arial"/>
-                <a:cs typeface="Arial"/>
-              </a:rPr>
-              <a:t>tomorrow in </a:t>
-            </a:r>
-            <a:r>
-              <a:rPr lang="en-US" dirty="0" smtClean="0">
-                <a:latin typeface="Arial"/>
-                <a:cs typeface="Arial"/>
-              </a:rPr>
-              <a:t>Dana 325—Model fitting &amp; Discussion of Big Necessity</a:t>
-            </a:r>
-            <a:r>
-              <a:rPr lang="en-US" dirty="0" smtClean="0">
-                <a:latin typeface="Arial"/>
-                <a:cs typeface="Arial"/>
-              </a:rPr>
-              <a:t>.</a:t>
+              <a:t>Problem Set 2 due Wed 9/18 in class.</a:t>
             </a:r>
           </a:p>
           <a:p>
@@ -3878,6 +3849,69 @@
                 <a:latin typeface="Arial"/>
                 <a:cs typeface="Arial"/>
               </a:rPr>
+              <a:t>Halfway through responding to blog responses</a:t>
+            </a:r>
+          </a:p>
+          <a:p>
+            <a:pPr>
+              <a:spcAft>
+                <a:spcPts val="600"/>
+              </a:spcAft>
+            </a:pPr>
+            <a:r>
+              <a:rPr lang="en-US" dirty="0" smtClean="0">
+                <a:latin typeface="Arial"/>
+                <a:cs typeface="Arial"/>
+              </a:rPr>
+              <a:t>PSet1 Graded</a:t>
+            </a:r>
+          </a:p>
+          <a:p>
+            <a:pPr>
+              <a:spcAft>
+                <a:spcPts val="600"/>
+              </a:spcAft>
+            </a:pPr>
+            <a:r>
+              <a:rPr lang="en-US" dirty="0" err="1" smtClean="0">
+                <a:latin typeface="Arial"/>
+                <a:cs typeface="Arial"/>
+              </a:rPr>
+              <a:t>Quizz</a:t>
+            </a:r>
+            <a:r>
+              <a:rPr lang="en-US" dirty="0" smtClean="0">
+                <a:latin typeface="Arial"/>
+                <a:cs typeface="Arial"/>
+              </a:rPr>
+              <a:t> Prep Extra Credit ( should be graded by </a:t>
+            </a:r>
+            <a:r>
+              <a:rPr lang="en-US" dirty="0" err="1" smtClean="0">
+                <a:latin typeface="Arial"/>
+                <a:cs typeface="Arial"/>
+              </a:rPr>
+              <a:t>tWed</a:t>
+            </a:r>
+            <a:r>
+              <a:rPr lang="en-US" dirty="0" smtClean="0">
+                <a:latin typeface="Arial"/>
+                <a:cs typeface="Arial"/>
+              </a:rPr>
+              <a:t>)</a:t>
+            </a:r>
+          </a:p>
+          <a:p>
+            <a:pPr>
+              <a:spcAft>
+                <a:spcPts val="600"/>
+              </a:spcAft>
+            </a:pPr>
+            <a:r>
+              <a:rPr lang="en-US" dirty="0" smtClean="0">
+                <a:latin typeface="Arial"/>
+                <a:cs typeface="Arial"/>
+              </a:rPr>
               <a:t>Trying to figure out a time to have Dr. </a:t>
             </a:r>
             <a:r>
@@ -3892,26 +3926,8 @@
                 <a:latin typeface="Arial"/>
                 <a:cs typeface="Arial"/>
               </a:rPr>
-              <a:t> visit.</a:t>
-            </a:r>
-          </a:p>
-          <a:p>
-            <a:pPr>
-              <a:spcAft>
-                <a:spcPts val="600"/>
-              </a:spcAft>
-            </a:pPr>
-            <a:r>
-              <a:rPr lang="en-US" smtClean="0">
-                <a:latin typeface="Arial"/>
-                <a:cs typeface="Arial"/>
-              </a:rPr>
-              <a:t>Problem Set 1</a:t>
-            </a:r>
-            <a:endParaRPr lang="en-US" dirty="0" smtClean="0">
-              <a:latin typeface="Arial"/>
-              <a:cs typeface="Arial"/>
-            </a:endParaRPr>
+              <a:t> visit.  Afternoon/evening in place of class on Oct. 7</a:t>
+            </a:r>
           </a:p>
           <a:p>
             <a:pPr>
@@ -4058,7 +4074,7 @@
         </p:blipFill>
         <p:spPr bwMode="auto">
           <a:xfrm>
-            <a:off x="1435100" y="660400"/>
+            <a:off x="1558950" y="1233467"/>
             <a:ext cx="6276975" cy="5554663"/>
           </a:xfrm>
           <a:prstGeom prst="rect">
@@ -4282,10 +4298,488 @@
           </a:p>
         </p:txBody>
       </p:sp>
+      <p:sp>
+        <p:nvSpPr>
+          <p:cNvPr id="3" name="TextBox 2"/>
+          <p:cNvSpPr txBox="1"/>
+          <p:nvPr/>
+        </p:nvSpPr>
+        <p:spPr>
+          <a:xfrm>
+            <a:off x="990110" y="215444"/>
+            <a:ext cx="7163780" cy="1200329"/>
+          </a:xfrm>
+          <a:prstGeom prst="rect">
+            <a:avLst/>
+          </a:prstGeom>
+          <a:noFill/>
+        </p:spPr>
+        <p:txBody>
+          <a:bodyPr wrap="square" rtlCol="0">
+            <a:spAutoFit/>
+          </a:bodyPr>
+          <a:lstStyle/>
+          <a:p>
+            <a:pPr algn="ctr"/>
+            <a:r>
+              <a:rPr lang="en-US" sz="3600" dirty="0" smtClean="0">
+                <a:solidFill>
+                  <a:srgbClr val="800000"/>
+                </a:solidFill>
+                <a:latin typeface="Arial"/>
+                <a:cs typeface="Arial"/>
+              </a:rPr>
+              <a:t>Acid</a:t>
+            </a:r>
+            <a:r>
+              <a:rPr lang="en-US" sz="3600" dirty="0" smtClean="0">
+                <a:solidFill>
+                  <a:srgbClr val="800000"/>
+                </a:solidFill>
+                <a:latin typeface="Arial"/>
+                <a:cs typeface="Arial"/>
+              </a:rPr>
+              <a:t>-Base </a:t>
+            </a:r>
+            <a:endParaRPr lang="en-US" sz="3600" dirty="0" smtClean="0">
+              <a:solidFill>
+                <a:srgbClr val="800000"/>
+              </a:solidFill>
+              <a:latin typeface="Arial"/>
+              <a:cs typeface="Arial"/>
+            </a:endParaRPr>
+          </a:p>
+          <a:p>
+            <a:pPr algn="ctr"/>
+            <a:r>
+              <a:rPr lang="en-US" sz="3600" dirty="0" smtClean="0">
+                <a:solidFill>
+                  <a:srgbClr val="800000"/>
+                </a:solidFill>
+                <a:latin typeface="Arial"/>
+                <a:cs typeface="Arial"/>
+              </a:rPr>
+              <a:t>Carbonate System</a:t>
+            </a:r>
+            <a:endParaRPr lang="en-US" sz="3600" dirty="0">
+              <a:solidFill>
+                <a:srgbClr val="800000"/>
+              </a:solidFill>
+              <a:latin typeface="Arial"/>
+              <a:cs typeface="Arial"/>
+            </a:endParaRPr>
+          </a:p>
+        </p:txBody>
+      </p:sp>
     </p:spTree>
     <p:extLst>
       <p:ext uri="{BB962C8B-B14F-4D97-AF65-F5344CB8AC3E}">
         <p14:creationId xmlns:p14="http://schemas.microsoft.com/office/powerpoint/2010/main" val="2466547947"/>
+      </p:ext>
+    </p:extLst>
+  </p:cSld>
+  <p:clrMapOvr>
+    <a:masterClrMapping/>
+  </p:clrMapOvr>
+  <p:timing>
+    <p:tnLst>
+      <p:par>
+        <p:cTn xmlns:p14="http://schemas.microsoft.com/office/powerpoint/2010/main" id="1" dur="indefinite" restart="never" nodeType="tmRoot"/>
+      </p:par>
+    </p:tnLst>
+  </p:timing>
+</p:sld>
+</file>
+
+<file path=ppt/slides/slide3.xml><?xml version="1.0" encoding="utf-8"?>
+<p:sld xmlns:a="http://schemas.openxmlformats.org/drawingml/2006/main" xmlns:r="http://schemas.openxmlformats.org/officeDocument/2006/relationships" xmlns:p="http://schemas.openxmlformats.org/presentationml/2006/main">
+  <p:cSld>
+    <p:spTree>
+      <p:nvGrpSpPr>
+        <p:cNvPr id="1" name=""/>
+        <p:cNvGrpSpPr/>
+        <p:nvPr/>
+      </p:nvGrpSpPr>
+      <p:grpSpPr>
+        <a:xfrm>
+          <a:off x="0" y="0"/>
+          <a:ext cx="0" cy="0"/>
+          <a:chOff x="0" y="0"/>
+          <a:chExt cx="0" cy="0"/>
+        </a:xfrm>
+      </p:grpSpPr>
+      <p:sp>
+        <p:nvSpPr>
+          <p:cNvPr id="2" name="Title 1"/>
+          <p:cNvSpPr>
+            <a:spLocks noGrp="1"/>
+          </p:cNvSpPr>
+          <p:nvPr>
+            <p:ph type="title"/>
+          </p:nvPr>
+        </p:nvSpPr>
+        <p:spPr/>
+        <p:txBody>
+          <a:bodyPr/>
+          <a:lstStyle/>
+          <a:p>
+            <a:r>
+              <a:rPr lang="en-US" dirty="0" smtClean="0">
+                <a:solidFill>
+                  <a:srgbClr val="800000"/>
+                </a:solidFill>
+                <a:latin typeface="Arial"/>
+                <a:cs typeface="Arial"/>
+              </a:rPr>
+              <a:t>Alkalinity</a:t>
+            </a:r>
+            <a:endParaRPr lang="en-US" dirty="0">
+              <a:solidFill>
+                <a:srgbClr val="800000"/>
+              </a:solidFill>
+              <a:latin typeface="Arial"/>
+              <a:cs typeface="Arial"/>
+            </a:endParaRPr>
+          </a:p>
+        </p:txBody>
+      </p:sp>
+      <p:sp>
+        <p:nvSpPr>
+          <p:cNvPr id="3" name="Footer Placeholder 2"/>
+          <p:cNvSpPr>
+            <a:spLocks noGrp="1"/>
+          </p:cNvSpPr>
+          <p:nvPr>
+            <p:ph type="ftr" sz="quarter" idx="11"/>
+          </p:nvPr>
+        </p:nvSpPr>
+        <p:spPr/>
+        <p:txBody>
+          <a:bodyPr/>
+          <a:lstStyle/>
+          <a:p>
+            <a:endParaRPr lang="en-US"/>
+          </a:p>
+        </p:txBody>
+      </p:sp>
+      <p:sp>
+        <p:nvSpPr>
+          <p:cNvPr id="4" name="Slide Number Placeholder 3"/>
+          <p:cNvSpPr>
+            <a:spLocks noGrp="1"/>
+          </p:cNvSpPr>
+          <p:nvPr>
+            <p:ph type="sldNum" sz="quarter" idx="12"/>
+          </p:nvPr>
+        </p:nvSpPr>
+        <p:spPr/>
+        <p:txBody>
+          <a:bodyPr/>
+          <a:lstStyle/>
+          <a:p>
+            <a:fld id="{A8ED28AA-87F7-5C4E-93A6-8BAA38DF407C}" type="slidenum">
+              <a:rPr lang="en-US" smtClean="0"/>
+              <a:t>3</a:t>
+            </a:fld>
+            <a:endParaRPr lang="en-US"/>
+          </a:p>
+        </p:txBody>
+      </p:sp>
+      <p:sp>
+        <p:nvSpPr>
+          <p:cNvPr id="5" name="TextBox 4"/>
+          <p:cNvSpPr txBox="1"/>
+          <p:nvPr/>
+        </p:nvSpPr>
+        <p:spPr>
+          <a:xfrm>
+            <a:off x="457200" y="1696322"/>
+            <a:ext cx="8522148" cy="1384995"/>
+          </a:xfrm>
+          <a:prstGeom prst="rect">
+            <a:avLst/>
+          </a:prstGeom>
+          <a:noFill/>
+        </p:spPr>
+        <p:txBody>
+          <a:bodyPr wrap="square" rtlCol="0">
+            <a:spAutoFit/>
+          </a:bodyPr>
+          <a:lstStyle/>
+          <a:p>
+            <a:r>
+              <a:rPr lang="en-US" sz="2800" dirty="0" smtClean="0">
+                <a:solidFill>
+                  <a:srgbClr val="000090"/>
+                </a:solidFill>
+                <a:latin typeface="Arial"/>
+                <a:cs typeface="Arial"/>
+              </a:rPr>
+              <a:t>Alkalinity (</a:t>
+            </a:r>
+            <a:r>
+              <a:rPr lang="en-US" sz="2800" dirty="0" err="1" smtClean="0">
+                <a:solidFill>
+                  <a:srgbClr val="000090"/>
+                </a:solidFill>
+                <a:latin typeface="Arial"/>
+                <a:cs typeface="Arial"/>
+              </a:rPr>
+              <a:t>eq</a:t>
+            </a:r>
+            <a:r>
+              <a:rPr lang="en-US" sz="2800" dirty="0" smtClean="0">
+                <a:solidFill>
+                  <a:srgbClr val="000090"/>
+                </a:solidFill>
+                <a:latin typeface="Arial"/>
+                <a:cs typeface="Arial"/>
+              </a:rPr>
+              <a:t>/L) = [HCO</a:t>
+            </a:r>
+            <a:r>
+              <a:rPr lang="en-US" sz="2800" baseline="-25000" dirty="0" smtClean="0">
+                <a:solidFill>
+                  <a:srgbClr val="000090"/>
+                </a:solidFill>
+                <a:latin typeface="Arial"/>
+                <a:cs typeface="Arial"/>
+              </a:rPr>
+              <a:t>3</a:t>
+            </a:r>
+            <a:r>
+              <a:rPr lang="en-US" sz="2800" baseline="30000" dirty="0" smtClean="0">
+                <a:solidFill>
+                  <a:srgbClr val="000090"/>
+                </a:solidFill>
+                <a:latin typeface="Arial"/>
+                <a:cs typeface="Arial"/>
+              </a:rPr>
+              <a:t>-</a:t>
+            </a:r>
+            <a:r>
+              <a:rPr lang="en-US" sz="2800" dirty="0" smtClean="0">
+                <a:solidFill>
+                  <a:srgbClr val="000090"/>
+                </a:solidFill>
+                <a:latin typeface="Arial"/>
+                <a:cs typeface="Arial"/>
+              </a:rPr>
+              <a:t>] + 2[CO</a:t>
+            </a:r>
+            <a:r>
+              <a:rPr lang="en-US" sz="2800" baseline="-25000" dirty="0" smtClean="0">
+                <a:solidFill>
+                  <a:srgbClr val="000090"/>
+                </a:solidFill>
+                <a:latin typeface="Arial"/>
+                <a:cs typeface="Arial"/>
+              </a:rPr>
+              <a:t>3</a:t>
+            </a:r>
+            <a:r>
+              <a:rPr lang="en-US" sz="2800" baseline="30000" dirty="0" smtClean="0">
+                <a:solidFill>
+                  <a:srgbClr val="000090"/>
+                </a:solidFill>
+                <a:latin typeface="Arial"/>
+                <a:cs typeface="Arial"/>
+              </a:rPr>
+              <a:t>2-</a:t>
+            </a:r>
+            <a:r>
+              <a:rPr lang="en-US" sz="2800" dirty="0" smtClean="0">
+                <a:solidFill>
+                  <a:srgbClr val="000090"/>
+                </a:solidFill>
+                <a:latin typeface="Arial"/>
+                <a:cs typeface="Arial"/>
+              </a:rPr>
+              <a:t>] + [OH</a:t>
+            </a:r>
+            <a:r>
+              <a:rPr lang="en-US" sz="2800" baseline="30000" dirty="0" smtClean="0">
+                <a:solidFill>
+                  <a:srgbClr val="000090"/>
+                </a:solidFill>
+                <a:latin typeface="Arial"/>
+                <a:cs typeface="Arial"/>
+              </a:rPr>
+              <a:t>-</a:t>
+            </a:r>
+            <a:r>
+              <a:rPr lang="en-US" sz="2800" dirty="0" smtClean="0">
+                <a:solidFill>
+                  <a:srgbClr val="000090"/>
+                </a:solidFill>
+                <a:latin typeface="Arial"/>
+                <a:cs typeface="Arial"/>
+              </a:rPr>
+              <a:t>] – [H</a:t>
+            </a:r>
+            <a:r>
+              <a:rPr lang="en-US" sz="2800" baseline="30000" dirty="0" smtClean="0">
+                <a:solidFill>
+                  <a:srgbClr val="000090"/>
+                </a:solidFill>
+                <a:latin typeface="Arial"/>
+                <a:cs typeface="Arial"/>
+              </a:rPr>
+              <a:t>+</a:t>
+            </a:r>
+            <a:r>
+              <a:rPr lang="en-US" sz="2800" dirty="0" smtClean="0">
+                <a:solidFill>
+                  <a:srgbClr val="000090"/>
+                </a:solidFill>
+                <a:latin typeface="Arial"/>
+                <a:cs typeface="Arial"/>
+              </a:rPr>
+              <a:t>],</a:t>
+            </a:r>
+          </a:p>
+          <a:p>
+            <a:endParaRPr lang="en-US" sz="2800" dirty="0">
+              <a:solidFill>
+                <a:srgbClr val="000090"/>
+              </a:solidFill>
+              <a:latin typeface="Arial"/>
+              <a:cs typeface="Arial"/>
+            </a:endParaRPr>
+          </a:p>
+          <a:p>
+            <a:r>
+              <a:rPr lang="en-US" sz="2800" dirty="0">
+                <a:solidFill>
+                  <a:srgbClr val="000090"/>
+                </a:solidFill>
+                <a:latin typeface="Arial"/>
+                <a:cs typeface="Arial"/>
+              </a:rPr>
+              <a:t>w</a:t>
+            </a:r>
+            <a:r>
+              <a:rPr lang="en-US" sz="2800" dirty="0" smtClean="0">
+                <a:solidFill>
+                  <a:srgbClr val="000090"/>
+                </a:solidFill>
+                <a:latin typeface="Arial"/>
+                <a:cs typeface="Arial"/>
+              </a:rPr>
+              <a:t>here [ ] refer to concentrations in moles/L</a:t>
+            </a:r>
+            <a:endParaRPr lang="en-US" sz="2800" dirty="0">
+              <a:solidFill>
+                <a:srgbClr val="000090"/>
+              </a:solidFill>
+              <a:latin typeface="Arial"/>
+              <a:cs typeface="Arial"/>
+            </a:endParaRPr>
+          </a:p>
+        </p:txBody>
+      </p:sp>
+      <p:sp>
+        <p:nvSpPr>
+          <p:cNvPr id="6" name="TextBox 5"/>
+          <p:cNvSpPr txBox="1"/>
+          <p:nvPr/>
+        </p:nvSpPr>
+        <p:spPr>
+          <a:xfrm>
+            <a:off x="457200" y="3330262"/>
+            <a:ext cx="8522148" cy="2246769"/>
+          </a:xfrm>
+          <a:prstGeom prst="rect">
+            <a:avLst/>
+          </a:prstGeom>
+          <a:noFill/>
+        </p:spPr>
+        <p:txBody>
+          <a:bodyPr wrap="square" rtlCol="0">
+            <a:spAutoFit/>
+          </a:bodyPr>
+          <a:lstStyle/>
+          <a:p>
+            <a:pPr marL="457200" indent="-457200">
+              <a:buFont typeface="Arial"/>
+              <a:buChar char="•"/>
+            </a:pPr>
+            <a:r>
+              <a:rPr lang="en-US" sz="2800" dirty="0" smtClean="0">
+                <a:latin typeface="Arial"/>
+                <a:cs typeface="Arial"/>
+              </a:rPr>
+              <a:t>Alkalinity is the ability of a water to neutralize acid.</a:t>
+            </a:r>
+          </a:p>
+          <a:p>
+            <a:pPr marL="457200" indent="-457200">
+              <a:buFont typeface="Arial"/>
+              <a:buChar char="•"/>
+            </a:pPr>
+            <a:r>
+              <a:rPr lang="en-US" sz="2800" dirty="0" smtClean="0">
+                <a:latin typeface="Arial"/>
+                <a:cs typeface="Arial"/>
+              </a:rPr>
+              <a:t>In most waters, only carbonate species contribute </a:t>
+            </a:r>
+            <a:r>
+              <a:rPr lang="en-US" sz="2800" dirty="0" err="1" smtClean="0">
+                <a:latin typeface="Arial"/>
+                <a:cs typeface="Arial"/>
+              </a:rPr>
+              <a:t>signinficantly</a:t>
+            </a:r>
+            <a:endParaRPr lang="en-US" sz="2800" dirty="0" smtClean="0">
+              <a:latin typeface="Arial"/>
+              <a:cs typeface="Arial"/>
+            </a:endParaRPr>
+          </a:p>
+          <a:p>
+            <a:pPr marL="457200" indent="-457200">
+              <a:buFont typeface="Arial"/>
+              <a:buChar char="•"/>
+            </a:pPr>
+            <a:r>
+              <a:rPr lang="en-US" sz="2800" dirty="0" smtClean="0">
+                <a:latin typeface="Arial"/>
+                <a:cs typeface="Arial"/>
+              </a:rPr>
+              <a:t>Between pH 6 to 8, primarily [HCO</a:t>
+            </a:r>
+            <a:r>
+              <a:rPr lang="en-US" sz="2800" baseline="-25000" dirty="0" smtClean="0">
+                <a:latin typeface="Arial"/>
+                <a:cs typeface="Arial"/>
+              </a:rPr>
+              <a:t>3</a:t>
+            </a:r>
+            <a:r>
+              <a:rPr lang="en-US" sz="2800" baseline="30000" dirty="0" smtClean="0">
+                <a:latin typeface="Arial"/>
+                <a:cs typeface="Arial"/>
+              </a:rPr>
+              <a:t>-</a:t>
+            </a:r>
+            <a:r>
+              <a:rPr lang="en-US" sz="2800" dirty="0" smtClean="0">
+                <a:latin typeface="Arial"/>
+                <a:cs typeface="Arial"/>
+              </a:rPr>
+              <a:t>] </a:t>
+            </a:r>
+            <a:endParaRPr lang="en-US" sz="2800" dirty="0">
+              <a:latin typeface="Arial"/>
+              <a:cs typeface="Arial"/>
+            </a:endParaRPr>
+          </a:p>
+        </p:txBody>
+      </p:sp>
+    </p:spTree>
+    <p:extLst>
+      <p:ext uri="{BB962C8B-B14F-4D97-AF65-F5344CB8AC3E}">
+        <p14:creationId xmlns:p14="http://schemas.microsoft.com/office/powerpoint/2010/main" val="1634413389"/>
       </p:ext>
     </p:extLst>
   </p:cSld>
